--- a/PPT/What is hopping code.pptx
+++ b/PPT/What is hopping code.pptx
@@ -5,16 +5,17 @@
     <p:sldMasterId id="2147483648" r:id="rId1"/>
   </p:sldMasterIdLst>
   <p:notesMasterIdLst>
-    <p:notesMasterId r:id="rId9"/>
+    <p:notesMasterId r:id="rId10"/>
   </p:notesMasterIdLst>
   <p:sldIdLst>
-    <p:sldId id="324" r:id="rId2"/>
-    <p:sldId id="325" r:id="rId3"/>
-    <p:sldId id="307" r:id="rId4"/>
-    <p:sldId id="327" r:id="rId5"/>
-    <p:sldId id="312" r:id="rId6"/>
-    <p:sldId id="322" r:id="rId7"/>
-    <p:sldId id="330" r:id="rId8"/>
+    <p:sldId id="331" r:id="rId2"/>
+    <p:sldId id="324" r:id="rId3"/>
+    <p:sldId id="325" r:id="rId4"/>
+    <p:sldId id="307" r:id="rId5"/>
+    <p:sldId id="327" r:id="rId6"/>
+    <p:sldId id="312" r:id="rId7"/>
+    <p:sldId id="322" r:id="rId8"/>
+    <p:sldId id="330" r:id="rId9"/>
   </p:sldIdLst>
   <p:sldSz cx="9144000" cy="6858000" type="screen4x3"/>
   <p:notesSz cx="6858000" cy="9144000"/>
@@ -570,7 +571,7 @@
             <a:fld id="{B5145D23-0437-467E-B797-0DCB5FD3CB26}" type="slidenum">
               <a:rPr lang="zh-TW" altLang="en-US" smtClean="0"/>
               <a:pPr/>
-              <a:t>3</a:t>
+              <a:t>4</a:t>
             </a:fld>
             <a:endParaRPr lang="zh-TW" altLang="en-US"/>
           </a:p>
@@ -655,7 +656,7 @@
             <a:fld id="{B5145D23-0437-467E-B797-0DCB5FD3CB26}" type="slidenum">
               <a:rPr lang="zh-TW" altLang="en-US" smtClean="0"/>
               <a:pPr/>
-              <a:t>5</a:t>
+              <a:t>6</a:t>
             </a:fld>
             <a:endParaRPr lang="zh-TW" altLang="en-US"/>
           </a:p>
@@ -748,7 +749,7 @@
             <a:fld id="{B5145D23-0437-467E-B797-0DCB5FD3CB26}" type="slidenum">
               <a:rPr lang="zh-TW" altLang="en-US" smtClean="0"/>
               <a:pPr/>
-              <a:t>7</a:t>
+              <a:t>8</a:t>
             </a:fld>
             <a:endParaRPr lang="zh-TW" altLang="en-US"/>
           </a:p>
@@ -3992,265 +3993,138 @@
       </p:grpSpPr>
       <p:sp>
         <p:nvSpPr>
-          <p:cNvPr id="2" name="標題 1"/>
-          <p:cNvSpPr>
-            <a:spLocks noGrp="1"/>
-          </p:cNvSpPr>
-          <p:nvPr>
-            <p:ph type="title"/>
-          </p:nvPr>
-        </p:nvSpPr>
-        <p:spPr/>
+          <p:cNvPr id="5" name="橢圓 4"/>
+          <p:cNvSpPr/>
+          <p:nvPr/>
+        </p:nvSpPr>
+        <p:spPr>
+          <a:xfrm rot="20830409">
+            <a:off x="669811" y="1254110"/>
+            <a:ext cx="7920880" cy="4010000"/>
+          </a:xfrm>
+          <a:prstGeom prst="ellipse">
+            <a:avLst/>
+          </a:prstGeom>
+        </p:spPr>
+        <p:style>
+          <a:lnRef idx="1">
+            <a:schemeClr val="accent3"/>
+          </a:lnRef>
+          <a:fillRef idx="2">
+            <a:schemeClr val="accent3"/>
+          </a:fillRef>
+          <a:effectRef idx="1">
+            <a:schemeClr val="accent3"/>
+          </a:effectRef>
+          <a:fontRef idx="minor">
+            <a:schemeClr val="dk1"/>
+          </a:fontRef>
+        </p:style>
+        <p:txBody>
+          <a:bodyPr rtlCol="0" anchor="ctr"/>
+          <a:lstStyle/>
+          <a:p>
+            <a:pPr algn="ctr"/>
+            <a:endParaRPr lang="zh-TW" altLang="en-US"/>
+          </a:p>
+        </p:txBody>
+      </p:sp>
+      <p:sp>
+        <p:nvSpPr>
+          <p:cNvPr id="4" name="副標題 3"/>
+          <p:cNvSpPr>
+            <a:spLocks noGrp="1"/>
+          </p:cNvSpPr>
+          <p:nvPr>
+            <p:ph type="subTitle" idx="1"/>
+          </p:nvPr>
+        </p:nvSpPr>
+        <p:spPr>
+          <a:xfrm>
+            <a:off x="1371600" y="4196680"/>
+            <a:ext cx="6400800" cy="1752600"/>
+          </a:xfrm>
+        </p:spPr>
         <p:txBody>
           <a:bodyPr/>
           <a:lstStyle/>
           <a:p>
-            <a:r>
-              <a:rPr lang="zh-TW" altLang="en-US" dirty="0" smtClean="0"/>
-              <a:t>滾碼技術 原理</a:t>
-            </a:r>
             <a:endParaRPr lang="zh-TW" altLang="en-US" dirty="0"/>
           </a:p>
         </p:txBody>
       </p:sp>
       <p:sp>
         <p:nvSpPr>
-          <p:cNvPr id="3" name="內容版面配置區 2"/>
-          <p:cNvSpPr>
-            <a:spLocks noGrp="1"/>
-          </p:cNvSpPr>
-          <p:nvPr>
-            <p:ph idx="1"/>
-          </p:nvPr>
-        </p:nvSpPr>
-        <p:spPr/>
-        <p:txBody>
-          <a:bodyPr>
-            <a:normAutofit fontScale="85000" lnSpcReduction="10000"/>
+          <p:cNvPr id="6" name="標題 1"/>
+          <p:cNvSpPr txBox="1">
+            <a:spLocks/>
+          </p:cNvSpPr>
+          <p:nvPr/>
+        </p:nvSpPr>
+        <p:spPr>
+          <a:xfrm>
+            <a:off x="2060647" y="2492896"/>
+            <a:ext cx="5139208" cy="1935088"/>
+          </a:xfrm>
+          <a:prstGeom prst="rect">
+            <a:avLst/>
+          </a:prstGeom>
+        </p:spPr>
+        <p:txBody>
+          <a:bodyPr vert="horz" lIns="91440" tIns="45720" rIns="91440" bIns="45720" rtlCol="0" anchor="ctr">
+            <a:normAutofit lnSpcReduction="10000"/>
           </a:bodyPr>
-          <a:lstStyle/>
-          <a:p>
-            <a:pPr marL="0" indent="0">
+          <a:lstStyle>
+            <a:lvl1pPr algn="ctr" defTabSz="914400" rtl="0" eaLnBrk="1" latinLnBrk="0" hangingPunct="1">
+              <a:spcBef>
+                <a:spcPct val="0"/>
+              </a:spcBef>
               <a:buNone/>
-            </a:pPr>
-            <a:r>
-              <a:rPr lang="zh-TW" altLang="zh-TW" dirty="0"/>
-              <a:t>滾碼技術，主要透過一份共同的</a:t>
-            </a:r>
-            <a:r>
-              <a:rPr lang="zh-TW" altLang="zh-TW" dirty="0" smtClean="0"/>
-              <a:t>密碼</a:t>
-            </a:r>
-            <a:r>
-              <a:rPr lang="zh-TW" altLang="en-US" dirty="0" smtClean="0"/>
-              <a:t>簿</a:t>
-            </a:r>
-            <a:r>
-              <a:rPr lang="zh-TW" altLang="zh-TW" dirty="0" smtClean="0"/>
-              <a:t>和</a:t>
-            </a:r>
-            <a:r>
-              <a:rPr lang="zh-TW" altLang="zh-TW" dirty="0"/>
-              <a:t>一個同步計數器</a:t>
-            </a:r>
-            <a:r>
-              <a:rPr lang="zh-TW" altLang="zh-TW" dirty="0" smtClean="0"/>
-              <a:t>的設計</a:t>
-            </a:r>
-            <a:r>
-              <a:rPr lang="zh-TW" altLang="zh-TW" dirty="0"/>
-              <a:t>，通訊兩方必須先約定</a:t>
-            </a:r>
-            <a:r>
-              <a:rPr lang="zh-TW" altLang="zh-TW" dirty="0" smtClean="0"/>
-              <a:t>好</a:t>
-            </a:r>
-            <a:r>
-              <a:rPr lang="zh-TW" altLang="en-US" dirty="0" smtClean="0"/>
-              <a:t>相同</a:t>
-            </a:r>
-            <a:r>
-              <a:rPr lang="zh-TW" altLang="zh-TW" dirty="0" smtClean="0"/>
-              <a:t>計數器</a:t>
-            </a:r>
-            <a:r>
-              <a:rPr lang="zh-TW" altLang="zh-TW" dirty="0"/>
-              <a:t>的數值，利用這</a:t>
-            </a:r>
-            <a:r>
-              <a:rPr lang="zh-TW" altLang="zh-TW" dirty="0" smtClean="0"/>
-              <a:t>數值查詢</a:t>
-            </a:r>
-            <a:r>
-              <a:rPr lang="zh-TW" altLang="zh-TW" dirty="0"/>
-              <a:t>密碼</a:t>
-            </a:r>
-            <a:r>
-              <a:rPr lang="zh-TW" altLang="zh-TW" dirty="0" smtClean="0"/>
-              <a:t>本</a:t>
-            </a:r>
-            <a:r>
-              <a:rPr lang="zh-TW" altLang="en-US" dirty="0" smtClean="0"/>
-              <a:t>，得出</a:t>
-            </a:r>
-            <a:r>
-              <a:rPr lang="zh-TW" altLang="zh-TW" dirty="0" smtClean="0"/>
-              <a:t>相對</a:t>
-            </a:r>
-            <a:r>
-              <a:rPr lang="zh-TW" altLang="zh-TW" dirty="0"/>
-              <a:t>應的秘密金鑰，因為</a:t>
-            </a:r>
-            <a:r>
-              <a:rPr lang="zh-TW" altLang="zh-TW" dirty="0" smtClean="0"/>
-              <a:t>數值</a:t>
-            </a:r>
-            <a:r>
-              <a:rPr lang="zh-TW" altLang="en-US" dirty="0" smtClean="0"/>
-              <a:t>和</a:t>
-            </a:r>
-            <a:r>
-              <a:rPr lang="zh-TW" altLang="zh-TW" dirty="0"/>
-              <a:t>密碼</a:t>
-            </a:r>
-            <a:r>
-              <a:rPr lang="zh-TW" altLang="en-US" dirty="0"/>
-              <a:t>簿</a:t>
-            </a:r>
-            <a:r>
-              <a:rPr lang="zh-TW" altLang="zh-TW" dirty="0" smtClean="0"/>
-              <a:t>相同</a:t>
-            </a:r>
-            <a:r>
-              <a:rPr lang="zh-TW" altLang="zh-TW" dirty="0"/>
-              <a:t>，</a:t>
-            </a:r>
-            <a:r>
-              <a:rPr lang="zh-TW" altLang="zh-TW" dirty="0" smtClean="0"/>
-              <a:t>所以</a:t>
-            </a:r>
-            <a:r>
-              <a:rPr lang="zh-TW" altLang="en-US" dirty="0" smtClean="0"/>
-              <a:t>能</a:t>
-            </a:r>
-            <a:r>
-              <a:rPr lang="zh-TW" altLang="zh-TW" dirty="0" smtClean="0"/>
-              <a:t>取得</a:t>
-            </a:r>
-            <a:r>
-              <a:rPr lang="zh-TW" altLang="zh-TW" dirty="0"/>
-              <a:t>相同的密鑰</a:t>
-            </a:r>
-            <a:r>
-              <a:rPr lang="zh-TW" altLang="zh-TW" dirty="0" smtClean="0"/>
-              <a:t>。</a:t>
-            </a:r>
-            <a:endParaRPr lang="en-US" altLang="zh-TW" dirty="0" smtClean="0"/>
-          </a:p>
-          <a:p>
-            <a:pPr marL="0" indent="0">
-              <a:buNone/>
-            </a:pPr>
-            <a:endParaRPr lang="en-US" altLang="zh-TW" dirty="0"/>
-          </a:p>
-          <a:p>
-            <a:pPr marL="0" indent="0">
-              <a:buNone/>
-            </a:pPr>
-            <a:r>
-              <a:rPr lang="zh-TW" altLang="zh-TW" dirty="0" smtClean="0"/>
-              <a:t>該</a:t>
-            </a:r>
-            <a:r>
-              <a:rPr lang="zh-TW" altLang="zh-TW" dirty="0"/>
-              <a:t>密鑰</a:t>
-            </a:r>
-            <a:r>
-              <a:rPr lang="zh-TW" altLang="zh-TW" dirty="0" smtClean="0"/>
-              <a:t>即可</a:t>
-            </a:r>
-            <a:r>
-              <a:rPr lang="zh-TW" altLang="zh-TW" dirty="0"/>
-              <a:t>應用在發送及接收時的數據加、解密；當數據發送後，雙方同步計數器會同時增加，也同步改變使用的密鑰，也因此每次使用的密鑰都</a:t>
-            </a:r>
-            <a:r>
-              <a:rPr lang="zh-TW" altLang="zh-TW" dirty="0" smtClean="0"/>
-              <a:t>不</a:t>
-            </a:r>
-            <a:r>
-              <a:rPr lang="zh-TW" altLang="en-US" dirty="0" smtClean="0"/>
-              <a:t>相同</a:t>
-            </a:r>
-            <a:r>
-              <a:rPr lang="zh-TW" altLang="zh-TW" dirty="0" smtClean="0"/>
-              <a:t>。</a:t>
-            </a:r>
-            <a:endParaRPr lang="en-US" altLang="zh-TW" dirty="0" smtClean="0"/>
-          </a:p>
-          <a:p>
-            <a:pPr marL="0" indent="0">
-              <a:buNone/>
-            </a:pPr>
-            <a:endParaRPr lang="en-US" altLang="zh-TW" dirty="0"/>
-          </a:p>
-          <a:p>
-            <a:pPr marL="0" indent="0">
-              <a:buNone/>
-            </a:pPr>
-            <a:r>
-              <a:rPr lang="zh-TW" altLang="en-US" dirty="0" smtClean="0"/>
-              <a:t>增強版的功能，限制每個</a:t>
-            </a:r>
-            <a:r>
-              <a:rPr lang="zh-TW" altLang="zh-TW" dirty="0"/>
-              <a:t>密</a:t>
-            </a:r>
-            <a:r>
-              <a:rPr lang="zh-TW" altLang="zh-TW" dirty="0" smtClean="0"/>
-              <a:t>鑰</a:t>
-            </a:r>
-            <a:r>
-              <a:rPr lang="zh-TW" altLang="en-US" dirty="0" smtClean="0"/>
-              <a:t>的使用時間，簡單的說，固定一段時間，計數器必須自動加一。</a:t>
-            </a:r>
-            <a:endParaRPr lang="zh-TW" altLang="en-US" dirty="0"/>
-          </a:p>
-        </p:txBody>
-      </p:sp>
-      <p:sp>
-        <p:nvSpPr>
-          <p:cNvPr id="4" name="投影片編號版面配置區 3"/>
-          <p:cNvSpPr>
-            <a:spLocks noGrp="1"/>
-          </p:cNvSpPr>
-          <p:nvPr>
-            <p:ph type="sldNum" sz="quarter" idx="12"/>
-          </p:nvPr>
-        </p:nvSpPr>
-        <p:spPr/>
-        <p:txBody>
-          <a:bodyPr/>
-          <a:lstStyle/>
-          <a:p>
-            <a:fld id="{D344349B-DB66-4120-941E-C93148E8AB74}" type="slidenum">
-              <a:rPr lang="zh-TW" altLang="en-US" smtClean="0"/>
-              <a:pPr/>
-              <a:t>1</a:t>
-            </a:fld>
-            <a:endParaRPr lang="zh-TW" altLang="en-US" dirty="0"/>
+              <a:defRPr sz="4400" kern="1200">
+                <a:solidFill>
+                  <a:schemeClr val="tx1"/>
+                </a:solidFill>
+                <a:latin typeface="微軟正黑體" pitchFamily="34" charset="-120"/>
+                <a:ea typeface="微軟正黑體" pitchFamily="34" charset="-120"/>
+                <a:cs typeface="+mj-cs"/>
+              </a:defRPr>
+            </a:lvl1pPr>
+          </a:lstStyle>
+          <a:p>
+            <a:r>
+              <a:rPr lang="zh-TW" altLang="en-US" b="1" dirty="0" smtClean="0"/>
+              <a:t>滾碼遙控器</a:t>
+            </a:r>
+            <a:endParaRPr lang="en-US" altLang="zh-TW" b="1" dirty="0" smtClean="0"/>
+          </a:p>
+          <a:p>
+            <a:r>
+              <a:rPr lang="en-US" altLang="zh-TW" b="1" dirty="0" smtClean="0"/>
+              <a:t>VS</a:t>
+            </a:r>
+          </a:p>
+          <a:p>
+            <a:r>
+              <a:rPr lang="zh-TW" altLang="en-US" b="1" dirty="0" smtClean="0"/>
+              <a:t>新式遙控器</a:t>
+            </a:r>
+            <a:endParaRPr lang="zh-TW" altLang="en-US" b="1" dirty="0"/>
           </a:p>
         </p:txBody>
       </p:sp>
     </p:spTree>
     <p:extLst>
       <p:ext uri="{BB962C8B-B14F-4D97-AF65-F5344CB8AC3E}">
-        <p14:creationId xmlns:p14="http://schemas.microsoft.com/office/powerpoint/2010/main" val="2119144469"/>
+        <p14:creationId xmlns:p14="http://schemas.microsoft.com/office/powerpoint/2010/main" val="2682121809"/>
       </p:ext>
     </p:extLst>
   </p:cSld>
   <p:clrMapOvr>
     <a:masterClrMapping/>
   </p:clrMapOvr>
+  <p:transition>
+    <p:fade thruBlk="1"/>
+  </p:transition>
   <p:timing>
     <p:tnLst>
       <p:par>
@@ -4294,164 +4168,214 @@
           <a:lstStyle/>
           <a:p>
             <a:r>
+              <a:rPr lang="zh-TW" altLang="en-US" dirty="0" smtClean="0"/>
+              <a:t>滾碼技術 原理</a:t>
+            </a:r>
+            <a:endParaRPr lang="zh-TW" altLang="en-US" dirty="0"/>
+          </a:p>
+        </p:txBody>
+      </p:sp>
+      <p:sp>
+        <p:nvSpPr>
+          <p:cNvPr id="3" name="內容版面配置區 2"/>
+          <p:cNvSpPr>
+            <a:spLocks noGrp="1"/>
+          </p:cNvSpPr>
+          <p:nvPr>
+            <p:ph idx="1"/>
+          </p:nvPr>
+        </p:nvSpPr>
+        <p:spPr/>
+        <p:txBody>
+          <a:bodyPr>
+            <a:normAutofit fontScale="85000" lnSpcReduction="10000"/>
+          </a:bodyPr>
+          <a:lstStyle/>
+          <a:p>
+            <a:pPr marL="0" indent="0">
+              <a:buNone/>
+            </a:pPr>
+            <a:r>
+              <a:rPr lang="zh-TW" altLang="zh-TW" dirty="0"/>
+              <a:t>滾碼技術，主要透過一份共同的</a:t>
+            </a:r>
+            <a:r>
+              <a:rPr lang="zh-TW" altLang="zh-TW" dirty="0" smtClean="0"/>
+              <a:t>密碼</a:t>
+            </a:r>
+            <a:r>
+              <a:rPr lang="zh-TW" altLang="en-US" dirty="0" smtClean="0"/>
+              <a:t>簿</a:t>
+            </a:r>
+            <a:r>
+              <a:rPr lang="zh-TW" altLang="zh-TW" dirty="0" smtClean="0"/>
+              <a:t>和</a:t>
+            </a:r>
+            <a:r>
+              <a:rPr lang="zh-TW" altLang="zh-TW" dirty="0"/>
+              <a:t>一個同步計數器</a:t>
+            </a:r>
+            <a:r>
+              <a:rPr lang="zh-TW" altLang="zh-TW" dirty="0" smtClean="0"/>
+              <a:t>的設計</a:t>
+            </a:r>
+            <a:r>
+              <a:rPr lang="zh-TW" altLang="zh-TW" dirty="0"/>
+              <a:t>，通訊兩方必須先約定</a:t>
+            </a:r>
+            <a:r>
+              <a:rPr lang="zh-TW" altLang="zh-TW" dirty="0" smtClean="0"/>
+              <a:t>好</a:t>
+            </a:r>
+            <a:r>
+              <a:rPr lang="zh-TW" altLang="en-US" dirty="0" smtClean="0"/>
+              <a:t>相同</a:t>
+            </a:r>
+            <a:r>
+              <a:rPr lang="zh-TW" altLang="zh-TW" dirty="0" smtClean="0"/>
+              <a:t>計數器</a:t>
+            </a:r>
+            <a:r>
+              <a:rPr lang="zh-TW" altLang="zh-TW" dirty="0"/>
+              <a:t>的數值，利用這</a:t>
+            </a:r>
+            <a:r>
+              <a:rPr lang="zh-TW" altLang="zh-TW" dirty="0" smtClean="0"/>
+              <a:t>數值查詢</a:t>
+            </a:r>
+            <a:r>
+              <a:rPr lang="zh-TW" altLang="zh-TW" dirty="0"/>
+              <a:t>密碼</a:t>
+            </a:r>
+            <a:r>
+              <a:rPr lang="zh-TW" altLang="zh-TW" dirty="0" smtClean="0"/>
+              <a:t>本</a:t>
+            </a:r>
+            <a:r>
+              <a:rPr lang="zh-TW" altLang="en-US" dirty="0" smtClean="0"/>
+              <a:t>，得出</a:t>
+            </a:r>
+            <a:r>
+              <a:rPr lang="zh-TW" altLang="zh-TW" dirty="0" smtClean="0"/>
+              <a:t>相對</a:t>
+            </a:r>
+            <a:r>
+              <a:rPr lang="zh-TW" altLang="zh-TW" dirty="0"/>
+              <a:t>應的秘密金鑰，因為</a:t>
+            </a:r>
+            <a:r>
+              <a:rPr lang="zh-TW" altLang="zh-TW" dirty="0" smtClean="0"/>
+              <a:t>數值</a:t>
+            </a:r>
+            <a:r>
+              <a:rPr lang="zh-TW" altLang="en-US" dirty="0" smtClean="0"/>
+              <a:t>和</a:t>
+            </a:r>
+            <a:r>
+              <a:rPr lang="zh-TW" altLang="zh-TW" dirty="0"/>
+              <a:t>密碼</a:t>
+            </a:r>
+            <a:r>
               <a:rPr lang="zh-TW" altLang="en-US" dirty="0"/>
-              <a:t>滾碼技術 </a:t>
+              <a:t>簿</a:t>
+            </a:r>
+            <a:r>
+              <a:rPr lang="zh-TW" altLang="zh-TW" dirty="0" smtClean="0"/>
+              <a:t>相同</a:t>
+            </a:r>
+            <a:r>
+              <a:rPr lang="zh-TW" altLang="zh-TW" dirty="0"/>
+              <a:t>，</a:t>
+            </a:r>
+            <a:r>
+              <a:rPr lang="zh-TW" altLang="zh-TW" dirty="0" smtClean="0"/>
+              <a:t>所以</a:t>
             </a:r>
             <a:r>
               <a:rPr lang="zh-TW" altLang="en-US" dirty="0" smtClean="0"/>
-              <a:t>舉例</a:t>
+              <a:t>能</a:t>
+            </a:r>
+            <a:r>
+              <a:rPr lang="zh-TW" altLang="zh-TW" dirty="0" smtClean="0"/>
+              <a:t>取得</a:t>
+            </a:r>
+            <a:r>
+              <a:rPr lang="zh-TW" altLang="zh-TW" dirty="0"/>
+              <a:t>相同的密鑰</a:t>
+            </a:r>
+            <a:r>
+              <a:rPr lang="zh-TW" altLang="zh-TW" dirty="0" smtClean="0"/>
+              <a:t>。</a:t>
+            </a:r>
+            <a:endParaRPr lang="en-US" altLang="zh-TW" dirty="0" smtClean="0"/>
+          </a:p>
+          <a:p>
+            <a:pPr marL="0" indent="0">
+              <a:buNone/>
+            </a:pPr>
+            <a:endParaRPr lang="en-US" altLang="zh-TW" dirty="0"/>
+          </a:p>
+          <a:p>
+            <a:pPr marL="0" indent="0">
+              <a:buNone/>
+            </a:pPr>
+            <a:r>
+              <a:rPr lang="zh-TW" altLang="zh-TW" dirty="0" smtClean="0"/>
+              <a:t>該</a:t>
+            </a:r>
+            <a:r>
+              <a:rPr lang="zh-TW" altLang="zh-TW" dirty="0"/>
+              <a:t>密鑰</a:t>
+            </a:r>
+            <a:r>
+              <a:rPr lang="zh-TW" altLang="zh-TW" dirty="0" smtClean="0"/>
+              <a:t>即可</a:t>
+            </a:r>
+            <a:r>
+              <a:rPr lang="zh-TW" altLang="zh-TW" dirty="0"/>
+              <a:t>應用在發送及接收時的數據加、解密；當數據發送後，雙方同步計數器會同時增加，也同步改變使用的密鑰，也因此每次使用的密鑰都</a:t>
+            </a:r>
+            <a:r>
+              <a:rPr lang="zh-TW" altLang="zh-TW" dirty="0" smtClean="0"/>
+              <a:t>不</a:t>
+            </a:r>
+            <a:r>
+              <a:rPr lang="zh-TW" altLang="en-US" dirty="0" smtClean="0"/>
+              <a:t>相同</a:t>
+            </a:r>
+            <a:r>
+              <a:rPr lang="zh-TW" altLang="zh-TW" dirty="0" smtClean="0"/>
+              <a:t>。</a:t>
+            </a:r>
+            <a:endParaRPr lang="en-US" altLang="zh-TW" dirty="0" smtClean="0"/>
+          </a:p>
+          <a:p>
+            <a:pPr marL="0" indent="0">
+              <a:buNone/>
+            </a:pPr>
+            <a:endParaRPr lang="en-US" altLang="zh-TW" dirty="0"/>
+          </a:p>
+          <a:p>
+            <a:pPr marL="0" indent="0">
+              <a:buNone/>
+            </a:pPr>
+            <a:r>
+              <a:rPr lang="zh-TW" altLang="en-US" dirty="0" smtClean="0"/>
+              <a:t>增強版的功能，限制每個</a:t>
+            </a:r>
+            <a:r>
+              <a:rPr lang="zh-TW" altLang="zh-TW" dirty="0"/>
+              <a:t>密</a:t>
+            </a:r>
+            <a:r>
+              <a:rPr lang="zh-TW" altLang="zh-TW" dirty="0" smtClean="0"/>
+              <a:t>鑰</a:t>
+            </a:r>
+            <a:r>
+              <a:rPr lang="zh-TW" altLang="en-US" dirty="0" smtClean="0"/>
+              <a:t>的使用時間，簡單的說，固定一段時間，計數器必須自動加一。</a:t>
             </a:r>
             <a:endParaRPr lang="zh-TW" altLang="en-US" dirty="0"/>
-          </a:p>
-        </p:txBody>
-      </p:sp>
-      <p:sp>
-        <p:nvSpPr>
-          <p:cNvPr id="3" name="內容版面配置區 2"/>
-          <p:cNvSpPr>
-            <a:spLocks noGrp="1"/>
-          </p:cNvSpPr>
-          <p:nvPr>
-            <p:ph idx="1"/>
-          </p:nvPr>
-        </p:nvSpPr>
-        <p:spPr/>
-        <p:txBody>
-          <a:bodyPr>
-            <a:normAutofit/>
-          </a:bodyPr>
-          <a:lstStyle/>
-          <a:p>
-            <a:pPr marL="514350" indent="-514350">
-              <a:buAutoNum type="arabicPeriod"/>
-            </a:pPr>
-            <a:r>
-              <a:rPr lang="en-US" altLang="zh-TW" sz="2800" dirty="0" smtClean="0"/>
-              <a:t>A, B </a:t>
-            </a:r>
-            <a:r>
-              <a:rPr lang="zh-TW" altLang="en-US" sz="2800" dirty="0" smtClean="0"/>
-              <a:t>兩人共同都有一本相同的字典</a:t>
-            </a:r>
-            <a:endParaRPr lang="en-US" altLang="zh-TW" sz="2800" dirty="0" smtClean="0"/>
-          </a:p>
-          <a:p>
-            <a:pPr marL="514350" indent="-514350">
-              <a:buAutoNum type="arabicPeriod"/>
-            </a:pPr>
-            <a:r>
-              <a:rPr lang="zh-TW" altLang="en-US" sz="2800" dirty="0" smtClean="0"/>
-              <a:t>在實際使用之前，兩人需要先溝通一個數字；也就是</a:t>
-            </a:r>
-            <a:r>
-              <a:rPr lang="en-US" altLang="zh-TW" sz="2800" dirty="0" smtClean="0"/>
-              <a:t>”</a:t>
-            </a:r>
-            <a:r>
-              <a:rPr lang="zh-TW" altLang="en-US" sz="2800" dirty="0" smtClean="0"/>
-              <a:t>配對</a:t>
-            </a:r>
-            <a:r>
-              <a:rPr lang="en-US" altLang="zh-TW" sz="2800" dirty="0" smtClean="0"/>
-              <a:t>”</a:t>
-            </a:r>
-            <a:r>
-              <a:rPr lang="zh-TW" altLang="en-US" sz="2800" dirty="0" smtClean="0"/>
-              <a:t>，確定好一個數字如：</a:t>
-            </a:r>
-            <a:r>
-              <a:rPr lang="en-US" altLang="zh-TW" sz="2800" dirty="0" smtClean="0"/>
-              <a:t>100</a:t>
-            </a:r>
-          </a:p>
-          <a:p>
-            <a:pPr marL="514350" indent="-514350">
-              <a:buFont typeface="Arial" pitchFamily="34" charset="0"/>
-              <a:buAutoNum type="arabicPeriod"/>
-            </a:pPr>
-            <a:r>
-              <a:rPr lang="zh-TW" altLang="en-US" sz="2800" dirty="0" smtClean="0"/>
-              <a:t>開始使用的方式，把字典打開到第</a:t>
-            </a:r>
-            <a:r>
-              <a:rPr lang="en-US" altLang="zh-TW" sz="2800" dirty="0" smtClean="0"/>
-              <a:t>100</a:t>
-            </a:r>
-            <a:r>
-              <a:rPr lang="zh-TW" altLang="en-US" sz="2800" dirty="0" smtClean="0"/>
-              <a:t>頁，該頁當中就會紀錄使用的密</a:t>
-            </a:r>
-            <a:r>
-              <a:rPr lang="zh-TW" altLang="zh-TW" sz="2800" dirty="0" smtClean="0"/>
-              <a:t>鑰</a:t>
-            </a:r>
-            <a:endParaRPr lang="en-US" altLang="zh-TW" sz="2800" dirty="0" smtClean="0"/>
-          </a:p>
-          <a:p>
-            <a:pPr marL="514350" indent="-514350">
-              <a:buFont typeface="Arial" pitchFamily="34" charset="0"/>
-              <a:buAutoNum type="arabicPeriod"/>
-            </a:pPr>
-            <a:r>
-              <a:rPr lang="zh-TW" altLang="en-US" sz="2800" dirty="0" smtClean="0"/>
-              <a:t>然後用該</a:t>
-            </a:r>
-            <a:r>
-              <a:rPr lang="zh-TW" altLang="zh-TW" sz="2800" dirty="0" smtClean="0"/>
-              <a:t>密鑰</a:t>
-            </a:r>
-            <a:r>
-              <a:rPr lang="zh-TW" altLang="en-US" sz="2800" dirty="0" smtClean="0"/>
-              <a:t>來加解密要傳遞的訊息</a:t>
-            </a:r>
-            <a:endParaRPr lang="en-US" altLang="zh-TW" sz="2800" dirty="0" smtClean="0"/>
-          </a:p>
-          <a:p>
-            <a:pPr marL="514350" indent="-514350">
-              <a:buFont typeface="Arial" pitchFamily="34" charset="0"/>
-              <a:buAutoNum type="arabicPeriod"/>
-            </a:pPr>
-            <a:r>
-              <a:rPr lang="zh-TW" altLang="zh-TW" sz="2800" dirty="0"/>
-              <a:t>密</a:t>
-            </a:r>
-            <a:r>
-              <a:rPr lang="zh-TW" altLang="zh-TW" sz="2800" dirty="0" smtClean="0"/>
-              <a:t>鑰</a:t>
-            </a:r>
-            <a:r>
-              <a:rPr lang="zh-TW" altLang="en-US" sz="2800" dirty="0" smtClean="0"/>
-              <a:t>使用過後，就換下一頁的</a:t>
-            </a:r>
-            <a:r>
-              <a:rPr lang="zh-TW" altLang="zh-TW" sz="2800" dirty="0"/>
-              <a:t>密</a:t>
-            </a:r>
-            <a:r>
-              <a:rPr lang="zh-TW" altLang="zh-TW" sz="2800" dirty="0" smtClean="0"/>
-              <a:t>鑰</a:t>
-            </a:r>
-            <a:r>
-              <a:rPr lang="zh-TW" altLang="en-US" sz="2800" dirty="0" smtClean="0"/>
-              <a:t>，也就是第</a:t>
-            </a:r>
-            <a:r>
-              <a:rPr lang="en-US" altLang="zh-TW" sz="2800" dirty="0" smtClean="0"/>
-              <a:t>101</a:t>
-            </a:r>
-            <a:r>
-              <a:rPr lang="zh-TW" altLang="en-US" sz="2800" dirty="0" smtClean="0"/>
-              <a:t>頁，持續 </a:t>
-            </a:r>
-            <a:r>
-              <a:rPr lang="en-US" altLang="zh-TW" sz="2800" dirty="0" smtClean="0"/>
-              <a:t>102, 103, 104 … </a:t>
-            </a:r>
-            <a:r>
-              <a:rPr lang="zh-TW" altLang="en-US" sz="2800" dirty="0" smtClean="0"/>
-              <a:t>一直滾下去</a:t>
-            </a:r>
-            <a:endParaRPr lang="zh-TW" altLang="en-US" sz="2800" dirty="0"/>
           </a:p>
         </p:txBody>
       </p:sp>
@@ -4482,13 +4406,20 @@
     </p:spTree>
     <p:extLst>
       <p:ext uri="{BB962C8B-B14F-4D97-AF65-F5344CB8AC3E}">
-        <p14:creationId xmlns:p14="http://schemas.microsoft.com/office/powerpoint/2010/main" val="1203355971"/>
+        <p14:creationId xmlns:p14="http://schemas.microsoft.com/office/powerpoint/2010/main" val="2119144469"/>
       </p:ext>
     </p:extLst>
   </p:cSld>
   <p:clrMapOvr>
     <a:masterClrMapping/>
   </p:clrMapOvr>
+  <p:timing>
+    <p:tnLst>
+      <p:par>
+        <p:cTn id="1" dur="indefinite" restart="never" nodeType="tmRoot"/>
+      </p:par>
+    </p:tnLst>
+  </p:timing>
 </p:sld>
 </file>
 
@@ -4526,6 +4457,244 @@
           <a:p>
             <a:r>
               <a:rPr lang="zh-TW" altLang="en-US" dirty="0"/>
+              <a:t>滾碼技術 </a:t>
+            </a:r>
+            <a:r>
+              <a:rPr lang="zh-TW" altLang="en-US" dirty="0" smtClean="0"/>
+              <a:t>舉例</a:t>
+            </a:r>
+            <a:endParaRPr lang="zh-TW" altLang="en-US" dirty="0"/>
+          </a:p>
+        </p:txBody>
+      </p:sp>
+      <p:sp>
+        <p:nvSpPr>
+          <p:cNvPr id="3" name="內容版面配置區 2"/>
+          <p:cNvSpPr>
+            <a:spLocks noGrp="1"/>
+          </p:cNvSpPr>
+          <p:nvPr>
+            <p:ph idx="1"/>
+          </p:nvPr>
+        </p:nvSpPr>
+        <p:spPr/>
+        <p:txBody>
+          <a:bodyPr>
+            <a:normAutofit/>
+          </a:bodyPr>
+          <a:lstStyle/>
+          <a:p>
+            <a:pPr marL="514350" indent="-514350">
+              <a:buAutoNum type="arabicPeriod"/>
+            </a:pPr>
+            <a:r>
+              <a:rPr lang="en-US" altLang="zh-TW" sz="2800" dirty="0" smtClean="0"/>
+              <a:t>A, B </a:t>
+            </a:r>
+            <a:r>
+              <a:rPr lang="zh-TW" altLang="en-US" sz="2800" dirty="0" smtClean="0"/>
+              <a:t>兩人共同都有一本相同的字典</a:t>
+            </a:r>
+            <a:endParaRPr lang="en-US" altLang="zh-TW" sz="2800" dirty="0" smtClean="0"/>
+          </a:p>
+          <a:p>
+            <a:pPr marL="514350" indent="-514350">
+              <a:buAutoNum type="arabicPeriod"/>
+            </a:pPr>
+            <a:r>
+              <a:rPr lang="zh-TW" altLang="en-US" sz="2800" dirty="0" smtClean="0"/>
+              <a:t>在實際使用之前，兩人需要先溝通一個數字；也就是</a:t>
+            </a:r>
+            <a:r>
+              <a:rPr lang="en-US" altLang="zh-TW" sz="2800" dirty="0" smtClean="0"/>
+              <a:t>”</a:t>
+            </a:r>
+            <a:r>
+              <a:rPr lang="zh-TW" altLang="en-US" sz="2800" dirty="0" smtClean="0"/>
+              <a:t>配對</a:t>
+            </a:r>
+            <a:r>
+              <a:rPr lang="en-US" altLang="zh-TW" sz="2800" dirty="0" smtClean="0"/>
+              <a:t>”</a:t>
+            </a:r>
+            <a:r>
+              <a:rPr lang="zh-TW" altLang="en-US" sz="2800" dirty="0" smtClean="0"/>
+              <a:t>，確定好一個數字如：</a:t>
+            </a:r>
+            <a:r>
+              <a:rPr lang="en-US" altLang="zh-TW" sz="2800" dirty="0" smtClean="0"/>
+              <a:t>100</a:t>
+            </a:r>
+          </a:p>
+          <a:p>
+            <a:pPr marL="514350" indent="-514350">
+              <a:buFont typeface="Arial" pitchFamily="34" charset="0"/>
+              <a:buAutoNum type="arabicPeriod"/>
+            </a:pPr>
+            <a:r>
+              <a:rPr lang="zh-TW" altLang="en-US" sz="2800" dirty="0" smtClean="0"/>
+              <a:t>開始使用的方式，把字典打開到第</a:t>
+            </a:r>
+            <a:r>
+              <a:rPr lang="en-US" altLang="zh-TW" sz="2800" dirty="0" smtClean="0"/>
+              <a:t>100</a:t>
+            </a:r>
+            <a:r>
+              <a:rPr lang="zh-TW" altLang="en-US" sz="2800" dirty="0" smtClean="0"/>
+              <a:t>頁，該頁當中就會紀錄使用的密</a:t>
+            </a:r>
+            <a:r>
+              <a:rPr lang="zh-TW" altLang="zh-TW" sz="2800" dirty="0" smtClean="0"/>
+              <a:t>鑰</a:t>
+            </a:r>
+            <a:endParaRPr lang="en-US" altLang="zh-TW" sz="2800" dirty="0" smtClean="0"/>
+          </a:p>
+          <a:p>
+            <a:pPr marL="514350" indent="-514350">
+              <a:buFont typeface="Arial" pitchFamily="34" charset="0"/>
+              <a:buAutoNum type="arabicPeriod"/>
+            </a:pPr>
+            <a:r>
+              <a:rPr lang="zh-TW" altLang="en-US" sz="2800" dirty="0" smtClean="0"/>
+              <a:t>然後用該</a:t>
+            </a:r>
+            <a:r>
+              <a:rPr lang="zh-TW" altLang="zh-TW" sz="2800" dirty="0" smtClean="0"/>
+              <a:t>密鑰</a:t>
+            </a:r>
+            <a:r>
+              <a:rPr lang="zh-TW" altLang="en-US" sz="2800" dirty="0" smtClean="0"/>
+              <a:t>來加解密要傳遞的訊息</a:t>
+            </a:r>
+            <a:endParaRPr lang="en-US" altLang="zh-TW" sz="2800" dirty="0" smtClean="0"/>
+          </a:p>
+          <a:p>
+            <a:pPr marL="514350" indent="-514350">
+              <a:buFont typeface="Arial" pitchFamily="34" charset="0"/>
+              <a:buAutoNum type="arabicPeriod"/>
+            </a:pPr>
+            <a:r>
+              <a:rPr lang="zh-TW" altLang="zh-TW" sz="2800" dirty="0"/>
+              <a:t>密</a:t>
+            </a:r>
+            <a:r>
+              <a:rPr lang="zh-TW" altLang="zh-TW" sz="2800" dirty="0" smtClean="0"/>
+              <a:t>鑰</a:t>
+            </a:r>
+            <a:r>
+              <a:rPr lang="zh-TW" altLang="en-US" sz="2800" dirty="0" smtClean="0"/>
+              <a:t>使用過後，就換下一頁的</a:t>
+            </a:r>
+            <a:r>
+              <a:rPr lang="zh-TW" altLang="zh-TW" sz="2800" dirty="0"/>
+              <a:t>密</a:t>
+            </a:r>
+            <a:r>
+              <a:rPr lang="zh-TW" altLang="zh-TW" sz="2800" dirty="0" smtClean="0"/>
+              <a:t>鑰</a:t>
+            </a:r>
+            <a:r>
+              <a:rPr lang="zh-TW" altLang="en-US" sz="2800" dirty="0" smtClean="0"/>
+              <a:t>，也就是第</a:t>
+            </a:r>
+            <a:r>
+              <a:rPr lang="en-US" altLang="zh-TW" sz="2800" dirty="0" smtClean="0"/>
+              <a:t>101</a:t>
+            </a:r>
+            <a:r>
+              <a:rPr lang="zh-TW" altLang="en-US" sz="2800" dirty="0" smtClean="0"/>
+              <a:t>頁，持續 </a:t>
+            </a:r>
+            <a:r>
+              <a:rPr lang="en-US" altLang="zh-TW" sz="2800" dirty="0" smtClean="0"/>
+              <a:t>102, 103, 104 … </a:t>
+            </a:r>
+            <a:r>
+              <a:rPr lang="zh-TW" altLang="en-US" sz="2800" dirty="0" smtClean="0"/>
+              <a:t>一直滾下去</a:t>
+            </a:r>
+            <a:endParaRPr lang="zh-TW" altLang="en-US" sz="2800" dirty="0"/>
+          </a:p>
+        </p:txBody>
+      </p:sp>
+      <p:sp>
+        <p:nvSpPr>
+          <p:cNvPr id="4" name="投影片編號版面配置區 3"/>
+          <p:cNvSpPr>
+            <a:spLocks noGrp="1"/>
+          </p:cNvSpPr>
+          <p:nvPr>
+            <p:ph type="sldNum" sz="quarter" idx="12"/>
+          </p:nvPr>
+        </p:nvSpPr>
+        <p:spPr/>
+        <p:txBody>
+          <a:bodyPr/>
+          <a:lstStyle/>
+          <a:p>
+            <a:fld id="{D344349B-DB66-4120-941E-C93148E8AB74}" type="slidenum">
+              <a:rPr lang="zh-TW" altLang="en-US" smtClean="0"/>
+              <a:pPr/>
+              <a:t>3</a:t>
+            </a:fld>
+            <a:endParaRPr lang="zh-TW" altLang="en-US" dirty="0"/>
+          </a:p>
+        </p:txBody>
+      </p:sp>
+    </p:spTree>
+    <p:extLst>
+      <p:ext uri="{BB962C8B-B14F-4D97-AF65-F5344CB8AC3E}">
+        <p14:creationId xmlns:p14="http://schemas.microsoft.com/office/powerpoint/2010/main" val="1203355971"/>
+      </p:ext>
+    </p:extLst>
+  </p:cSld>
+  <p:clrMapOvr>
+    <a:masterClrMapping/>
+  </p:clrMapOvr>
+  <p:timing>
+    <p:tnLst>
+      <p:par>
+        <p:cTn id="1" dur="indefinite" restart="never" nodeType="tmRoot"/>
+      </p:par>
+    </p:tnLst>
+  </p:timing>
+</p:sld>
+</file>
+
+<file path=ppt/slides/slide4.xml><?xml version="1.0" encoding="utf-8"?>
+<p:sld xmlns:a="http://schemas.openxmlformats.org/drawingml/2006/main" xmlns:r="http://schemas.openxmlformats.org/officeDocument/2006/relationships" xmlns:p="http://schemas.openxmlformats.org/presentationml/2006/main">
+  <p:cSld>
+    <p:spTree>
+      <p:nvGrpSpPr>
+        <p:cNvPr id="1" name=""/>
+        <p:cNvGrpSpPr/>
+        <p:nvPr/>
+      </p:nvGrpSpPr>
+      <p:grpSpPr>
+        <a:xfrm>
+          <a:off x="0" y="0"/>
+          <a:ext cx="0" cy="0"/>
+          <a:chOff x="0" y="0"/>
+          <a:chExt cx="0" cy="0"/>
+        </a:xfrm>
+      </p:grpSpPr>
+      <p:sp>
+        <p:nvSpPr>
+          <p:cNvPr id="2" name="標題 1"/>
+          <p:cNvSpPr>
+            <a:spLocks noGrp="1"/>
+          </p:cNvSpPr>
+          <p:nvPr>
+            <p:ph type="title"/>
+          </p:nvPr>
+        </p:nvSpPr>
+        <p:spPr/>
+        <p:txBody>
+          <a:bodyPr/>
+          <a:lstStyle/>
+          <a:p>
+            <a:r>
+              <a:rPr lang="zh-TW" altLang="en-US" dirty="0"/>
               <a:t>滾碼</a:t>
             </a:r>
             <a:r>
@@ -4554,7 +4723,7 @@
             <a:fld id="{D344349B-DB66-4120-941E-C93148E8AB74}" type="slidenum">
               <a:rPr lang="zh-TW" altLang="en-US" smtClean="0"/>
               <a:pPr/>
-              <a:t>3</a:t>
+              <a:t>4</a:t>
             </a:fld>
             <a:endParaRPr lang="zh-TW" altLang="en-US" dirty="0"/>
           </a:p>
@@ -4731,7 +4900,7 @@
 </p:sld>
 </file>
 
-<file path=ppt/slides/slide4.xml><?xml version="1.0" encoding="utf-8"?>
+<file path=ppt/slides/slide5.xml><?xml version="1.0" encoding="utf-8"?>
 <p:sld xmlns:a="http://schemas.openxmlformats.org/drawingml/2006/main" xmlns:r="http://schemas.openxmlformats.org/officeDocument/2006/relationships" xmlns:p="http://schemas.openxmlformats.org/presentationml/2006/main">
   <p:cSld>
     <p:spTree>
@@ -4791,7 +4960,7 @@
             <a:fld id="{D344349B-DB66-4120-941E-C93148E8AB74}" type="slidenum">
               <a:rPr lang="zh-TW" altLang="en-US" smtClean="0"/>
               <a:pPr/>
-              <a:t>4</a:t>
+              <a:t>5</a:t>
             </a:fld>
             <a:endParaRPr lang="zh-TW" altLang="en-US" dirty="0"/>
           </a:p>
@@ -5516,7 +5685,7 @@
 </p:sld>
 </file>
 
-<file path=ppt/slides/slide5.xml><?xml version="1.0" encoding="utf-8"?>
+<file path=ppt/slides/slide6.xml><?xml version="1.0" encoding="utf-8"?>
 <p:sld xmlns:a="http://schemas.openxmlformats.org/drawingml/2006/main" xmlns:r="http://schemas.openxmlformats.org/officeDocument/2006/relationships" xmlns:p="http://schemas.openxmlformats.org/presentationml/2006/main">
   <p:cSld>
     <p:spTree>
@@ -5590,7 +5759,7 @@
             <a:fld id="{D344349B-DB66-4120-941E-C93148E8AB74}" type="slidenum">
               <a:rPr lang="zh-TW" altLang="en-US" smtClean="0"/>
               <a:pPr/>
-              <a:t>5</a:t>
+              <a:t>6</a:t>
             </a:fld>
             <a:endParaRPr lang="zh-TW" altLang="en-US" dirty="0"/>
           </a:p>
@@ -5605,7 +5774,7 @@
           <p:nvPr>
             <p:extLst>
               <p:ext uri="{D42A27DB-BD31-4B8C-83A1-F6EECF244321}">
-                <p14:modId xmlns:p14="http://schemas.microsoft.com/office/powerpoint/2010/main" val="977526342"/>
+                <p14:modId xmlns:p14="http://schemas.microsoft.com/office/powerpoint/2010/main" val="3100604737"/>
               </p:ext>
             </p:extLst>
           </p:nvPr>
@@ -6012,7 +6181,7 @@
                       <a:pPr algn="ctr"/>
                       <a:r>
                         <a:rPr lang="zh-TW" altLang="en-US" sz="2400" dirty="0" smtClean="0"/>
-                        <a:t>有限</a:t>
+                        <a:t>多</a:t>
                       </a:r>
                       <a:endParaRPr lang="zh-TW" altLang="en-US" sz="2400" dirty="0"/>
                     </a:p>
@@ -6047,7 +6216,7 @@
 </p:sld>
 </file>
 
-<file path=ppt/slides/slide6.xml><?xml version="1.0" encoding="utf-8"?>
+<file path=ppt/slides/slide7.xml><?xml version="1.0" encoding="utf-8"?>
 <p:sld xmlns:a="http://schemas.openxmlformats.org/drawingml/2006/main" xmlns:r="http://schemas.openxmlformats.org/officeDocument/2006/relationships" xmlns:p="http://schemas.openxmlformats.org/presentationml/2006/main">
   <p:cSld>
     <p:spTree>
@@ -6129,7 +6298,7 @@
             <a:fld id="{D344349B-DB66-4120-941E-C93148E8AB74}" type="slidenum">
               <a:rPr lang="zh-TW" altLang="en-US" smtClean="0"/>
               <a:pPr/>
-              <a:t>6</a:t>
+              <a:t>7</a:t>
             </a:fld>
             <a:endParaRPr lang="zh-TW" altLang="en-US" dirty="0"/>
           </a:p>
@@ -6397,7 +6566,7 @@
 </p:sld>
 </file>
 
-<file path=ppt/slides/slide7.xml><?xml version="1.0" encoding="utf-8"?>
+<file path=ppt/slides/slide8.xml><?xml version="1.0" encoding="utf-8"?>
 <p:sld xmlns:a="http://schemas.openxmlformats.org/drawingml/2006/main" xmlns:r="http://schemas.openxmlformats.org/officeDocument/2006/relationships" xmlns:p="http://schemas.openxmlformats.org/presentationml/2006/main">
   <p:cSld>
     <p:spTree>
@@ -6455,7 +6624,7 @@
             <a:fld id="{D344349B-DB66-4120-941E-C93148E8AB74}" type="slidenum">
               <a:rPr lang="zh-TW" altLang="en-US" smtClean="0"/>
               <a:pPr/>
-              <a:t>7</a:t>
+              <a:t>8</a:t>
             </a:fld>
             <a:endParaRPr lang="zh-TW" altLang="en-US" dirty="0"/>
           </a:p>
@@ -6553,11 +6722,7 @@
             </a:r>
             <a:r>
               <a:rPr lang="zh-TW" altLang="en-US" sz="2400" dirty="0" smtClean="0"/>
-              <a:t>：覺得</a:t>
-            </a:r>
-            <a:r>
-              <a:rPr lang="zh-TW" altLang="en-US" sz="2400" dirty="0" smtClean="0"/>
-              <a:t>滾碼沒問題，為何要換方案？</a:t>
+              <a:t>：覺得滾碼沒問題，為何要換方案？</a:t>
             </a:r>
             <a:endParaRPr lang="en-US" altLang="zh-TW" sz="2400" dirty="0" smtClean="0"/>
           </a:p>
